--- a/Project_2/soutenance_projet2.pptx
+++ b/Project_2/soutenance_projet2.pptx
@@ -872,9 +872,20 @@
           <a:p>
             <a:r>
               <a:rPr lang="en-US"/>
-              <a:t>Intégrer la carte ici (html) avec powerpoint</a:t>
-            </a:r>
-            <a:endParaRPr lang="en-US" smtClean="0"/>
+              <a:t>Intégrer la carte ici (html) avec powerpoint (github.io à regarder)</a:t>
+            </a:r>
+          </a:p>
+          <a:p>
+            <a:r>
+              <a:rPr lang="en-US"/>
+              <a:t/>
+            </a:r>
+          </a:p>
+          <a:p>
+            <a:r>
+              <a:rPr lang="en-US"/>
+              <a:t>Artificialisation</a:t>
+            </a:r>
           </a:p>
         </p:txBody>
       </p:sp>
@@ -1085,7 +1096,7 @@
           <a:p>
             <a:r>
               <a:rPr lang="en-US"/>
-              <a:t>alignement : conditions de travail plus dangereuses, nécessitant l'aménagement des conditions de circulation pour leur entretien</a:t>
+              <a:t>alignement : conditions de travail plus dangereuses, nécessitant l'aménagement des conditions de circulation routière pour leur entretien</a:t>
             </a:r>
           </a:p>
           <a:p>
@@ -1758,7 +1769,7 @@
           <a:p>
             <a:r>
               <a:rPr lang="en-US"/>
-              <a:t>espèces remarquables :</a:t>
+              <a:t>espèces remarquables : établir des parcours de sensibilisation pour le public </a:t>
             </a:r>
           </a:p>
           <a:p>
@@ -2685,7 +2696,7 @@
           <a:p>
             <a:r>
               <a:rPr lang="en-US"/>
-              <a:t>Dire vite fait quels types de nettoyages ont été fait et le "avant" --&gt; "après" en termes de valeurs ajoutées</a:t>
+              <a:t/>
             </a:r>
             <a:endParaRPr lang="en-US" smtClean="0"/>
           </a:p>
@@ -3128,7 +3139,7 @@
           <a:p>
             <a:r>
               <a:rPr lang="en-US"/>
-              <a:t>Ensuite, on peut se retrouver à travailler individu par individu, ce qui peut être long et fastidieux.</a:t>
+              <a:t>Ensuite, on peut se retrouver à travailler individu par individu, ce qui peut être un travail minutieux</a:t>
             </a:r>
             <a:endParaRPr lang="en-US" smtClean="0"/>
           </a:p>
@@ -7195,6 +7206,47 @@
           </a:blipFill>
         </p:spPr>
       </p:sp>
+      <p:sp>
+        <p:nvSpPr>
+          <p:cNvPr name="TextBox 9" id="9"/>
+          <p:cNvSpPr txBox="true"/>
+          <p:nvPr/>
+        </p:nvSpPr>
+        <p:spPr>
+          <a:xfrm rot="0">
+            <a:off x="14943024" y="9565147"/>
+            <a:ext cx="2933493" cy="502920"/>
+          </a:xfrm>
+          <a:prstGeom prst="rect">
+            <a:avLst/>
+          </a:prstGeom>
+        </p:spPr>
+        <p:txBody>
+          <a:bodyPr anchor="t" rtlCol="false" tIns="0" lIns="0" bIns="0" rIns="0">
+            <a:spAutoFit/>
+          </a:bodyPr>
+          <a:lstStyle/>
+          <a:p>
+            <a:pPr algn="r">
+              <a:lnSpc>
+                <a:spcPts val="4199"/>
+              </a:lnSpc>
+            </a:pPr>
+            <a:r>
+              <a:rPr lang="en-US" sz="2799">
+                <a:solidFill>
+                  <a:srgbClr val="FFFFFF"/>
+                </a:solidFill>
+                <a:latin typeface="TT Commons Pro"/>
+                <a:ea typeface="TT Commons Pro"/>
+                <a:cs typeface="TT Commons Pro"/>
+                <a:sym typeface="TT Commons Pro"/>
+              </a:rPr>
+              <a:t>Grégoire Mureau</a:t>
+            </a:r>
+          </a:p>
+        </p:txBody>
+      </p:sp>
     </p:spTree>
   </p:cSld>
   <p:clrMapOvr>
@@ -10703,89 +10755,7 @@
       </p:grpSpPr>
       <p:sp>
         <p:nvSpPr>
-          <p:cNvPr name="TextBox 2" id="2"/>
-          <p:cNvSpPr txBox="true"/>
-          <p:nvPr/>
-        </p:nvSpPr>
-        <p:spPr>
-          <a:xfrm rot="0">
-            <a:off x="10864509" y="1111773"/>
-            <a:ext cx="6394791" cy="502920"/>
-          </a:xfrm>
-          <a:prstGeom prst="rect">
-            <a:avLst/>
-          </a:prstGeom>
-        </p:spPr>
-        <p:txBody>
-          <a:bodyPr anchor="t" rtlCol="false" tIns="0" lIns="0" bIns="0" rIns="0">
-            <a:spAutoFit/>
-          </a:bodyPr>
-          <a:lstStyle/>
-          <a:p>
-            <a:pPr algn="l">
-              <a:lnSpc>
-                <a:spcPts val="4199"/>
-              </a:lnSpc>
-            </a:pPr>
-            <a:r>
-              <a:rPr lang="en-US" sz="2799">
-                <a:solidFill>
-                  <a:srgbClr val="FFFFFF"/>
-                </a:solidFill>
-                <a:latin typeface="TT Commons Pro"/>
-                <a:ea typeface="TT Commons Pro"/>
-                <a:cs typeface="TT Commons Pro"/>
-                <a:sym typeface="TT Commons Pro"/>
-              </a:rPr>
-              <a:t>Répartition des arbres par arrondissement</a:t>
-            </a:r>
-          </a:p>
-        </p:txBody>
-      </p:sp>
-      <p:sp>
-        <p:nvSpPr>
-          <p:cNvPr name="TextBox 3" id="3"/>
-          <p:cNvSpPr txBox="true"/>
-          <p:nvPr/>
-        </p:nvSpPr>
-        <p:spPr>
-          <a:xfrm rot="0">
-            <a:off x="1028700" y="1019175"/>
-            <a:ext cx="8609074" cy="1095375"/>
-          </a:xfrm>
-          <a:prstGeom prst="rect">
-            <a:avLst/>
-          </a:prstGeom>
-        </p:spPr>
-        <p:txBody>
-          <a:bodyPr anchor="t" rtlCol="false" tIns="0" lIns="0" bIns="0" rIns="0">
-            <a:spAutoFit/>
-          </a:bodyPr>
-          <a:lstStyle/>
-          <a:p>
-            <a:pPr algn="l">
-              <a:lnSpc>
-                <a:spcPts val="8550"/>
-              </a:lnSpc>
-            </a:pPr>
-            <a:r>
-              <a:rPr lang="en-US" sz="7125">
-                <a:solidFill>
-                  <a:srgbClr val="FFFFFF"/>
-                </a:solidFill>
-                <a:latin typeface="Rasputin Light"/>
-                <a:ea typeface="Rasputin Light"/>
-                <a:cs typeface="Rasputin Light"/>
-                <a:sym typeface="Rasputin Light"/>
-              </a:rPr>
-              <a:t>Interprétation</a:t>
-            </a:r>
-          </a:p>
-        </p:txBody>
-      </p:sp>
-      <p:sp>
-        <p:nvSpPr>
-          <p:cNvPr name="Freeform 4" id="4"/>
+          <p:cNvPr name="Freeform 2" id="2"/>
           <p:cNvSpPr/>
           <p:nvPr/>
         </p:nvSpPr>
@@ -10838,14 +10808,142 @@
       </p:sp>
       <p:sp>
         <p:nvSpPr>
+          <p:cNvPr name="Freeform 3" id="3"/>
+          <p:cNvSpPr/>
+          <p:nvPr/>
+        </p:nvSpPr>
+        <p:spPr>
+          <a:xfrm flipH="false" flipV="false" rot="0">
+            <a:off x="1012602" y="3565852"/>
+            <a:ext cx="9587281" cy="5692448"/>
+          </a:xfrm>
+          <a:custGeom>
+            <a:avLst/>
+            <a:gdLst/>
+            <a:ahLst/>
+            <a:cxnLst/>
+            <a:rect r="r" b="b" t="t" l="l"/>
+            <a:pathLst>
+              <a:path h="5692448" w="9587281">
+                <a:moveTo>
+                  <a:pt x="0" y="0"/>
+                </a:moveTo>
+                <a:lnTo>
+                  <a:pt x="9587281" y="0"/>
+                </a:lnTo>
+                <a:lnTo>
+                  <a:pt x="9587281" y="5692448"/>
+                </a:lnTo>
+                <a:lnTo>
+                  <a:pt x="0" y="5692448"/>
+                </a:lnTo>
+                <a:lnTo>
+                  <a:pt x="0" y="0"/>
+                </a:lnTo>
+                <a:close/>
+              </a:path>
+            </a:pathLst>
+          </a:custGeom>
+          <a:blipFill>
+            <a:blip r:embed="rId5"/>
+            <a:stretch>
+              <a:fillRect l="0" t="0" r="0" b="0"/>
+            </a:stretch>
+          </a:blipFill>
+        </p:spPr>
+      </p:sp>
+      <p:sp>
+        <p:nvSpPr>
+          <p:cNvPr name="TextBox 4" id="4"/>
+          <p:cNvSpPr txBox="true"/>
+          <p:nvPr/>
+        </p:nvSpPr>
+        <p:spPr>
+          <a:xfrm rot="0">
+            <a:off x="10864509" y="1111773"/>
+            <a:ext cx="6394791" cy="502920"/>
+          </a:xfrm>
+          <a:prstGeom prst="rect">
+            <a:avLst/>
+          </a:prstGeom>
+        </p:spPr>
+        <p:txBody>
+          <a:bodyPr anchor="t" rtlCol="false" tIns="0" lIns="0" bIns="0" rIns="0">
+            <a:spAutoFit/>
+          </a:bodyPr>
+          <a:lstStyle/>
+          <a:p>
+            <a:pPr algn="l">
+              <a:lnSpc>
+                <a:spcPts val="4199"/>
+              </a:lnSpc>
+            </a:pPr>
+            <a:r>
+              <a:rPr lang="en-US" sz="2799">
+                <a:solidFill>
+                  <a:srgbClr val="FFFFFF"/>
+                </a:solidFill>
+                <a:latin typeface="TT Commons Pro"/>
+                <a:ea typeface="TT Commons Pro"/>
+                <a:cs typeface="TT Commons Pro"/>
+                <a:sym typeface="TT Commons Pro"/>
+              </a:rPr>
+              <a:t>Répartition des arbres par arrondissement</a:t>
+            </a:r>
+          </a:p>
+        </p:txBody>
+      </p:sp>
+      <p:sp>
+        <p:nvSpPr>
           <p:cNvPr name="TextBox 5" id="5"/>
           <p:cNvSpPr txBox="true"/>
           <p:nvPr/>
         </p:nvSpPr>
         <p:spPr>
           <a:xfrm rot="0">
-            <a:off x="10687527" y="5718786"/>
-            <a:ext cx="6325673" cy="3705225"/>
+            <a:off x="1028700" y="1019175"/>
+            <a:ext cx="8609074" cy="1095375"/>
+          </a:xfrm>
+          <a:prstGeom prst="rect">
+            <a:avLst/>
+          </a:prstGeom>
+        </p:spPr>
+        <p:txBody>
+          <a:bodyPr anchor="t" rtlCol="false" tIns="0" lIns="0" bIns="0" rIns="0">
+            <a:spAutoFit/>
+          </a:bodyPr>
+          <a:lstStyle/>
+          <a:p>
+            <a:pPr algn="l">
+              <a:lnSpc>
+                <a:spcPts val="8550"/>
+              </a:lnSpc>
+            </a:pPr>
+            <a:r>
+              <a:rPr lang="en-US" sz="7125">
+                <a:solidFill>
+                  <a:srgbClr val="FFFFFF"/>
+                </a:solidFill>
+                <a:latin typeface="Rasputin Light"/>
+                <a:ea typeface="Rasputin Light"/>
+                <a:cs typeface="Rasputin Light"/>
+                <a:sym typeface="Rasputin Light"/>
+              </a:rPr>
+              <a:t>Interprétation</a:t>
+            </a:r>
+          </a:p>
+        </p:txBody>
+      </p:sp>
+      <p:sp>
+        <p:nvSpPr>
+          <p:cNvPr name="TextBox 6" id="6"/>
+          <p:cNvSpPr txBox="true"/>
+          <p:nvPr/>
+        </p:nvSpPr>
+        <p:spPr>
+          <a:xfrm rot="0">
+            <a:off x="11147420" y="5718786"/>
+            <a:ext cx="5883003" cy="3705225"/>
           </a:xfrm>
           <a:prstGeom prst="rect">
             <a:avLst/>
@@ -10910,14 +11008,14 @@
       </p:sp>
       <p:sp>
         <p:nvSpPr>
-          <p:cNvPr name="TextBox 6" id="6"/>
+          <p:cNvPr name="TextBox 7" id="7"/>
           <p:cNvSpPr txBox="true"/>
           <p:nvPr/>
         </p:nvSpPr>
         <p:spPr>
           <a:xfrm rot="0">
-            <a:off x="10687527" y="2185602"/>
-            <a:ext cx="6571773" cy="2962275"/>
+            <a:off x="11147420" y="2185602"/>
+            <a:ext cx="6111880" cy="2962275"/>
           </a:xfrm>
           <a:prstGeom prst="rect">
             <a:avLst/>
@@ -10970,13 +11068,13 @@
       </p:sp>
       <p:sp>
         <p:nvSpPr>
-          <p:cNvPr name="TextBox 7" id="7"/>
+          <p:cNvPr name="TextBox 8" id="8"/>
           <p:cNvSpPr txBox="true"/>
           <p:nvPr/>
         </p:nvSpPr>
         <p:spPr>
           <a:xfrm rot="0">
-            <a:off x="1625414" y="5472088"/>
+            <a:off x="1028700" y="2664321"/>
             <a:ext cx="6394791" cy="502920"/>
           </a:xfrm>
           <a:prstGeom prst="rect">
@@ -12434,7 +12532,7 @@
                 <a:cs typeface="TT Commons Pro"/>
                 <a:sym typeface="TT Commons Pro"/>
               </a:rPr>
-              <a:t>Correspondance avec les espèces assez faible également (η²=0.06)</a:t>
+              <a:t>Correspondance avec les espèces assez bonne (η²=0.06)</a:t>
             </a:r>
           </a:p>
         </p:txBody>
@@ -13770,7 +13868,7 @@
         </p:nvSpPr>
         <p:spPr>
           <a:xfrm rot="0">
-            <a:off x="7569148" y="3638550"/>
+            <a:off x="7569148" y="3824287"/>
             <a:ext cx="8849963" cy="1476375"/>
           </a:xfrm>
           <a:prstGeom prst="rect">
@@ -13811,7 +13909,7 @@
         </p:nvSpPr>
         <p:spPr>
           <a:xfrm rot="0">
-            <a:off x="7569148" y="7477125"/>
+            <a:off x="7569148" y="7296150"/>
             <a:ext cx="9690152" cy="2098040"/>
           </a:xfrm>
           <a:prstGeom prst="rect">
@@ -13893,8 +13991,8 @@
         </p:nvSpPr>
         <p:spPr>
           <a:xfrm rot="0">
-            <a:off x="7569148" y="5553075"/>
-            <a:ext cx="4565699" cy="1476375"/>
+            <a:off x="7569148" y="5924550"/>
+            <a:ext cx="8849963" cy="733425"/>
           </a:xfrm>
           <a:prstGeom prst="rect">
             <a:avLst/>
